--- a/图片/操作系统的图（整成一个PPT文件里）.pptx
+++ b/图片/操作系统的图（整成一个PPT文件里）.pptx
@@ -8,11 +8,13 @@
     <p:sldId id="256" r:id="rId2"/>
     <p:sldId id="257" r:id="rId3"/>
     <p:sldId id="258" r:id="rId4"/>
+    <p:sldId id="259" r:id="rId5"/>
+    <p:sldId id="260" r:id="rId6"/>
   </p:sldIdLst>
   <p:sldSz cx="12192000" cy="6858000"/>
   <p:notesSz cx="6858000" cy="9144000"/>
   <p:custDataLst>
-    <p:tags r:id="rId5"/>
+    <p:tags r:id="rId7"/>
   </p:custDataLst>
   <p:defaultTextStyle>
     <a:defPPr>
@@ -264,7 +266,7 @@
           <a:p>
             <a:fld id="{3DFBA3FD-CA1A-4ECE-AD5D-6DE80E83FD01}" type="datetimeFigureOut">
               <a:rPr lang="zh-CN" altLang="en-US" smtClean="0"/>
-              <a:t>20/08/10</a:t>
+              <a:t>20/08/12</a:t>
             </a:fld>
             <a:endParaRPr lang="zh-CN" altLang="en-US"/>
           </a:p>
@@ -462,7 +464,7 @@
           <a:p>
             <a:fld id="{3DFBA3FD-CA1A-4ECE-AD5D-6DE80E83FD01}" type="datetimeFigureOut">
               <a:rPr lang="zh-CN" altLang="en-US" smtClean="0"/>
-              <a:t>20/08/10</a:t>
+              <a:t>20/08/12</a:t>
             </a:fld>
             <a:endParaRPr lang="zh-CN" altLang="en-US"/>
           </a:p>
@@ -670,7 +672,7 @@
           <a:p>
             <a:fld id="{3DFBA3FD-CA1A-4ECE-AD5D-6DE80E83FD01}" type="datetimeFigureOut">
               <a:rPr lang="zh-CN" altLang="en-US" smtClean="0"/>
-              <a:t>20/08/10</a:t>
+              <a:t>20/08/12</a:t>
             </a:fld>
             <a:endParaRPr lang="zh-CN" altLang="en-US"/>
           </a:p>
@@ -868,7 +870,7 @@
           <a:p>
             <a:fld id="{3DFBA3FD-CA1A-4ECE-AD5D-6DE80E83FD01}" type="datetimeFigureOut">
               <a:rPr lang="zh-CN" altLang="en-US" smtClean="0"/>
-              <a:t>20/08/10</a:t>
+              <a:t>20/08/12</a:t>
             </a:fld>
             <a:endParaRPr lang="zh-CN" altLang="en-US"/>
           </a:p>
@@ -1143,7 +1145,7 @@
           <a:p>
             <a:fld id="{3DFBA3FD-CA1A-4ECE-AD5D-6DE80E83FD01}" type="datetimeFigureOut">
               <a:rPr lang="zh-CN" altLang="en-US" smtClean="0"/>
-              <a:t>20/08/10</a:t>
+              <a:t>20/08/12</a:t>
             </a:fld>
             <a:endParaRPr lang="zh-CN" altLang="en-US"/>
           </a:p>
@@ -1408,7 +1410,7 @@
           <a:p>
             <a:fld id="{3DFBA3FD-CA1A-4ECE-AD5D-6DE80E83FD01}" type="datetimeFigureOut">
               <a:rPr lang="zh-CN" altLang="en-US" smtClean="0"/>
-              <a:t>20/08/10</a:t>
+              <a:t>20/08/12</a:t>
             </a:fld>
             <a:endParaRPr lang="zh-CN" altLang="en-US"/>
           </a:p>
@@ -1820,7 +1822,7 @@
           <a:p>
             <a:fld id="{3DFBA3FD-CA1A-4ECE-AD5D-6DE80E83FD01}" type="datetimeFigureOut">
               <a:rPr lang="zh-CN" altLang="en-US" smtClean="0"/>
-              <a:t>20/08/10</a:t>
+              <a:t>20/08/12</a:t>
             </a:fld>
             <a:endParaRPr lang="zh-CN" altLang="en-US"/>
           </a:p>
@@ -1961,7 +1963,7 @@
           <a:p>
             <a:fld id="{3DFBA3FD-CA1A-4ECE-AD5D-6DE80E83FD01}" type="datetimeFigureOut">
               <a:rPr lang="zh-CN" altLang="en-US" smtClean="0"/>
-              <a:t>20/08/10</a:t>
+              <a:t>20/08/12</a:t>
             </a:fld>
             <a:endParaRPr lang="zh-CN" altLang="en-US"/>
           </a:p>
@@ -2074,7 +2076,7 @@
           <a:p>
             <a:fld id="{3DFBA3FD-CA1A-4ECE-AD5D-6DE80E83FD01}" type="datetimeFigureOut">
               <a:rPr lang="zh-CN" altLang="en-US" smtClean="0"/>
-              <a:t>20/08/10</a:t>
+              <a:t>20/08/12</a:t>
             </a:fld>
             <a:endParaRPr lang="zh-CN" altLang="en-US"/>
           </a:p>
@@ -2385,7 +2387,7 @@
           <a:p>
             <a:fld id="{3DFBA3FD-CA1A-4ECE-AD5D-6DE80E83FD01}" type="datetimeFigureOut">
               <a:rPr lang="zh-CN" altLang="en-US" smtClean="0"/>
-              <a:t>20/08/10</a:t>
+              <a:t>20/08/12</a:t>
             </a:fld>
             <a:endParaRPr lang="zh-CN" altLang="en-US"/>
           </a:p>
@@ -2673,7 +2675,7 @@
           <a:p>
             <a:fld id="{3DFBA3FD-CA1A-4ECE-AD5D-6DE80E83FD01}" type="datetimeFigureOut">
               <a:rPr lang="zh-CN" altLang="en-US" smtClean="0"/>
-              <a:t>20/08/10</a:t>
+              <a:t>20/08/12</a:t>
             </a:fld>
             <a:endParaRPr lang="zh-CN" altLang="en-US"/>
           </a:p>
@@ -2914,7 +2916,7 @@
           <a:p>
             <a:fld id="{3DFBA3FD-CA1A-4ECE-AD5D-6DE80E83FD01}" type="datetimeFigureOut">
               <a:rPr lang="zh-CN" altLang="en-US" smtClean="0"/>
-              <a:t>20/08/10</a:t>
+              <a:t>20/08/12</a:t>
             </a:fld>
             <a:endParaRPr lang="zh-CN" altLang="en-US"/>
           </a:p>
@@ -5170,6 +5172,1442 @@
 </p:sld>
 </file>
 
+<file path=ppt/slides/slide4.xml><?xml version="1.0" encoding="utf-8"?>
+<p:sld xmlns:a="http://schemas.openxmlformats.org/drawingml/2006/main" xmlns:r="http://schemas.openxmlformats.org/officeDocument/2006/relationships" xmlns:p="http://schemas.openxmlformats.org/presentationml/2006/main">
+  <p:cSld>
+    <p:spTree>
+      <p:nvGrpSpPr>
+        <p:cNvPr id="1" name=""/>
+        <p:cNvGrpSpPr/>
+        <p:nvPr/>
+      </p:nvGrpSpPr>
+      <p:grpSpPr>
+        <a:xfrm>
+          <a:off x="0" y="0"/>
+          <a:ext cx="0" cy="0"/>
+          <a:chOff x="0" y="0"/>
+          <a:chExt cx="0" cy="0"/>
+        </a:xfrm>
+      </p:grpSpPr>
+      <p:sp>
+        <p:nvSpPr>
+          <p:cNvPr id="5" name="文本框 4">
+            <a:extLst>
+              <a:ext uri="{FF2B5EF4-FFF2-40B4-BE49-F238E27FC236}">
+                <a16:creationId xmlns:a16="http://schemas.microsoft.com/office/drawing/2014/main" id="{EEB9A332-B389-4A16-8487-3B0FBBB74F3A}"/>
+              </a:ext>
+            </a:extLst>
+          </p:cNvPr>
+          <p:cNvSpPr txBox="1"/>
+          <p:nvPr/>
+        </p:nvSpPr>
+        <p:spPr>
+          <a:xfrm>
+            <a:off x="11006776" y="609222"/>
+            <a:ext cx="515492" cy="2554545"/>
+          </a:xfrm>
+          <a:prstGeom prst="rect">
+            <a:avLst/>
+          </a:prstGeom>
+          <a:noFill/>
+        </p:spPr>
+        <p:txBody>
+          <a:bodyPr wrap="square" rtlCol="0">
+            <a:spAutoFit/>
+          </a:bodyPr>
+          <a:lstStyle/>
+          <a:p>
+            <a:r>
+              <a:rPr lang="zh-CN" altLang="en-US" sz="4000" dirty="0">
+                <a:latin typeface="华文行楷" panose="02010800040101010101" pitchFamily="2" charset="-122"/>
+                <a:ea typeface="华文行楷" panose="02010800040101010101" pitchFamily="2" charset="-122"/>
+              </a:rPr>
+              <a:t>地址检查</a:t>
+            </a:r>
+          </a:p>
+        </p:txBody>
+      </p:sp>
+      <p:sp>
+        <p:nvSpPr>
+          <p:cNvPr id="7" name="矩形: 圆角 6">
+            <a:extLst>
+              <a:ext uri="{FF2B5EF4-FFF2-40B4-BE49-F238E27FC236}">
+                <a16:creationId xmlns:a16="http://schemas.microsoft.com/office/drawing/2014/main" id="{12EAFE54-F9FD-42E7-B058-DDD464731C44}"/>
+              </a:ext>
+            </a:extLst>
+          </p:cNvPr>
+          <p:cNvSpPr/>
+          <p:nvPr/>
+        </p:nvSpPr>
+        <p:spPr>
+          <a:xfrm>
+            <a:off x="1083212" y="5439695"/>
+            <a:ext cx="2743200" cy="693816"/>
+          </a:xfrm>
+          <a:prstGeom prst="roundRect">
+            <a:avLst/>
+          </a:prstGeom>
+        </p:spPr>
+        <p:style>
+          <a:lnRef idx="2">
+            <a:schemeClr val="accent4">
+              <a:shade val="50000"/>
+            </a:schemeClr>
+          </a:lnRef>
+          <a:fillRef idx="1">
+            <a:schemeClr val="accent4"/>
+          </a:fillRef>
+          <a:effectRef idx="0">
+            <a:schemeClr val="accent4"/>
+          </a:effectRef>
+          <a:fontRef idx="minor">
+            <a:schemeClr val="lt1"/>
+          </a:fontRef>
+        </p:style>
+        <p:txBody>
+          <a:bodyPr rtlCol="0" anchor="ctr"/>
+          <a:lstStyle/>
+          <a:p>
+            <a:pPr algn="ctr"/>
+            <a:r>
+              <a:rPr lang="en-US" altLang="zh-CN" dirty="0" err="1"/>
+              <a:t>movl</a:t>
+            </a:r>
+            <a:r>
+              <a:rPr lang="en-US" altLang="zh-CN" dirty="0"/>
+              <a:t> %</a:t>
+            </a:r>
+            <a:r>
+              <a:rPr lang="en-US" altLang="zh-CN" dirty="0" err="1"/>
+              <a:t>eax</a:t>
+            </a:r>
+            <a:r>
+              <a:rPr lang="en-US" altLang="zh-CN" dirty="0"/>
+              <a:t>, $0xfffa620e </a:t>
+            </a:r>
+            <a:endParaRPr lang="zh-CN" altLang="en-US" dirty="0"/>
+          </a:p>
+        </p:txBody>
+      </p:sp>
+      <p:sp>
+        <p:nvSpPr>
+          <p:cNvPr id="9" name="矩形: 圆角 8">
+            <a:extLst>
+              <a:ext uri="{FF2B5EF4-FFF2-40B4-BE49-F238E27FC236}">
+                <a16:creationId xmlns:a16="http://schemas.microsoft.com/office/drawing/2014/main" id="{2F2B135F-08B1-4842-AEA8-862D5202045D}"/>
+              </a:ext>
+            </a:extLst>
+          </p:cNvPr>
+          <p:cNvSpPr/>
+          <p:nvPr/>
+        </p:nvSpPr>
+        <p:spPr>
+          <a:xfrm>
+            <a:off x="1083213" y="4522951"/>
+            <a:ext cx="2743199" cy="693816"/>
+          </a:xfrm>
+          <a:prstGeom prst="roundRect">
+            <a:avLst/>
+          </a:prstGeom>
+        </p:spPr>
+        <p:style>
+          <a:lnRef idx="2">
+            <a:schemeClr val="accent1">
+              <a:shade val="50000"/>
+            </a:schemeClr>
+          </a:lnRef>
+          <a:fillRef idx="1">
+            <a:schemeClr val="accent1"/>
+          </a:fillRef>
+          <a:effectRef idx="0">
+            <a:schemeClr val="accent1"/>
+          </a:effectRef>
+          <a:fontRef idx="minor">
+            <a:schemeClr val="lt1"/>
+          </a:fontRef>
+        </p:style>
+        <p:txBody>
+          <a:bodyPr rtlCol="0" anchor="ctr"/>
+          <a:lstStyle/>
+          <a:p>
+            <a:pPr algn="ctr"/>
+            <a:r>
+              <a:rPr lang="zh-CN" altLang="en-US" dirty="0"/>
+              <a:t>进程</a:t>
+            </a:r>
+            <a:r>
+              <a:rPr lang="en-US" altLang="zh-CN" dirty="0"/>
+              <a:t>P</a:t>
+            </a:r>
+            <a:r>
+              <a:rPr lang="zh-CN" altLang="en-US" dirty="0"/>
+              <a:t>逻辑地址空间</a:t>
+            </a:r>
+            <a:r>
+              <a:rPr lang="en-US" altLang="zh-CN" dirty="0"/>
+              <a:t> </a:t>
+            </a:r>
+            <a:endParaRPr lang="zh-CN" altLang="en-US" dirty="0"/>
+          </a:p>
+        </p:txBody>
+      </p:sp>
+      <p:sp>
+        <p:nvSpPr>
+          <p:cNvPr id="10" name="文本框 9">
+            <a:extLst>
+              <a:ext uri="{FF2B5EF4-FFF2-40B4-BE49-F238E27FC236}">
+                <a16:creationId xmlns:a16="http://schemas.microsoft.com/office/drawing/2014/main" id="{1129A04E-9F78-426F-9858-B0CD3C8B7227}"/>
+              </a:ext>
+            </a:extLst>
+          </p:cNvPr>
+          <p:cNvSpPr txBox="1"/>
+          <p:nvPr/>
+        </p:nvSpPr>
+        <p:spPr>
+          <a:xfrm>
+            <a:off x="478302" y="5033887"/>
+            <a:ext cx="604910" cy="365760"/>
+          </a:xfrm>
+          <a:prstGeom prst="rect">
+            <a:avLst/>
+          </a:prstGeom>
+          <a:noFill/>
+        </p:spPr>
+        <p:txBody>
+          <a:bodyPr wrap="square" rtlCol="0">
+            <a:spAutoFit/>
+          </a:bodyPr>
+          <a:lstStyle/>
+          <a:p>
+            <a:r>
+              <a:rPr lang="en-US" altLang="zh-CN" dirty="0"/>
+              <a:t>0</a:t>
+            </a:r>
+            <a:endParaRPr lang="zh-CN" altLang="en-US" dirty="0"/>
+          </a:p>
+        </p:txBody>
+      </p:sp>
+      <p:sp>
+        <p:nvSpPr>
+          <p:cNvPr id="12" name="文本框 11">
+            <a:extLst>
+              <a:ext uri="{FF2B5EF4-FFF2-40B4-BE49-F238E27FC236}">
+                <a16:creationId xmlns:a16="http://schemas.microsoft.com/office/drawing/2014/main" id="{665A9DB0-E00D-4B37-9AEA-79FC2FC76DFF}"/>
+              </a:ext>
+            </a:extLst>
+          </p:cNvPr>
+          <p:cNvSpPr txBox="1"/>
+          <p:nvPr/>
+        </p:nvSpPr>
+        <p:spPr>
+          <a:xfrm>
+            <a:off x="126609" y="4338285"/>
+            <a:ext cx="956603" cy="369332"/>
+          </a:xfrm>
+          <a:prstGeom prst="rect">
+            <a:avLst/>
+          </a:prstGeom>
+          <a:noFill/>
+        </p:spPr>
+        <p:txBody>
+          <a:bodyPr wrap="square" rtlCol="0">
+            <a:spAutoFit/>
+          </a:bodyPr>
+          <a:lstStyle/>
+          <a:p>
+            <a:r>
+              <a:rPr lang="en-US" altLang="zh-CN" dirty="0" err="1"/>
+              <a:t>MAX</a:t>
+            </a:r>
+            <a:r>
+              <a:rPr lang="en-US" altLang="zh-CN" sz="1000" dirty="0" err="1"/>
+              <a:t>prog</a:t>
+            </a:r>
+            <a:endParaRPr lang="zh-CN" altLang="en-US" sz="1000" dirty="0"/>
+          </a:p>
+        </p:txBody>
+      </p:sp>
+      <p:sp>
+        <p:nvSpPr>
+          <p:cNvPr id="13" name="椭圆 12">
+            <a:extLst>
+              <a:ext uri="{FF2B5EF4-FFF2-40B4-BE49-F238E27FC236}">
+                <a16:creationId xmlns:a16="http://schemas.microsoft.com/office/drawing/2014/main" id="{ED6297F9-9A47-4266-ADC0-94EF8F4779A3}"/>
+              </a:ext>
+            </a:extLst>
+          </p:cNvPr>
+          <p:cNvSpPr/>
+          <p:nvPr/>
+        </p:nvSpPr>
+        <p:spPr>
+          <a:xfrm>
+            <a:off x="1807698" y="2215572"/>
+            <a:ext cx="1294227" cy="1294227"/>
+          </a:xfrm>
+          <a:prstGeom prst="ellipse">
+            <a:avLst/>
+          </a:prstGeom>
+        </p:spPr>
+        <p:style>
+          <a:lnRef idx="2">
+            <a:schemeClr val="accent1">
+              <a:shade val="50000"/>
+            </a:schemeClr>
+          </a:lnRef>
+          <a:fillRef idx="1">
+            <a:schemeClr val="accent1"/>
+          </a:fillRef>
+          <a:effectRef idx="0">
+            <a:schemeClr val="accent1"/>
+          </a:effectRef>
+          <a:fontRef idx="minor">
+            <a:schemeClr val="lt1"/>
+          </a:fontRef>
+        </p:style>
+        <p:txBody>
+          <a:bodyPr rtlCol="0" anchor="ctr"/>
+          <a:lstStyle/>
+          <a:p>
+            <a:pPr algn="ctr"/>
+            <a:r>
+              <a:rPr lang="en-US" altLang="zh-CN" dirty="0"/>
+              <a:t>CPU</a:t>
+            </a:r>
+          </a:p>
+        </p:txBody>
+      </p:sp>
+      <p:sp>
+        <p:nvSpPr>
+          <p:cNvPr id="15" name="椭圆 14">
+            <a:extLst>
+              <a:ext uri="{FF2B5EF4-FFF2-40B4-BE49-F238E27FC236}">
+                <a16:creationId xmlns:a16="http://schemas.microsoft.com/office/drawing/2014/main" id="{0C7F40C1-8F01-49EF-BE4C-889A35CDA97A}"/>
+              </a:ext>
+            </a:extLst>
+          </p:cNvPr>
+          <p:cNvSpPr/>
+          <p:nvPr/>
+        </p:nvSpPr>
+        <p:spPr>
+          <a:xfrm>
+            <a:off x="4559949" y="2438308"/>
+            <a:ext cx="848754" cy="848754"/>
+          </a:xfrm>
+          <a:prstGeom prst="ellipse">
+            <a:avLst/>
+          </a:prstGeom>
+        </p:spPr>
+        <p:style>
+          <a:lnRef idx="2">
+            <a:schemeClr val="accent1">
+              <a:shade val="50000"/>
+            </a:schemeClr>
+          </a:lnRef>
+          <a:fillRef idx="1">
+            <a:schemeClr val="accent1"/>
+          </a:fillRef>
+          <a:effectRef idx="0">
+            <a:schemeClr val="accent1"/>
+          </a:effectRef>
+          <a:fontRef idx="minor">
+            <a:schemeClr val="lt1"/>
+          </a:fontRef>
+        </p:style>
+        <p:txBody>
+          <a:bodyPr rtlCol="0" anchor="ctr"/>
+          <a:lstStyle/>
+          <a:p>
+            <a:pPr algn="ctr"/>
+            <a:r>
+              <a:rPr lang="en-US" altLang="zh-CN" dirty="0"/>
+              <a:t>&lt;=</a:t>
+            </a:r>
+          </a:p>
+        </p:txBody>
+      </p:sp>
+      <p:sp>
+        <p:nvSpPr>
+          <p:cNvPr id="17" name="椭圆 16">
+            <a:extLst>
+              <a:ext uri="{FF2B5EF4-FFF2-40B4-BE49-F238E27FC236}">
+                <a16:creationId xmlns:a16="http://schemas.microsoft.com/office/drawing/2014/main" id="{2B6809EE-80E8-4512-80C7-BAA33C24DAF8}"/>
+              </a:ext>
+            </a:extLst>
+          </p:cNvPr>
+          <p:cNvSpPr/>
+          <p:nvPr/>
+        </p:nvSpPr>
+        <p:spPr>
+          <a:xfrm>
+            <a:off x="6442350" y="2438308"/>
+            <a:ext cx="848754" cy="848754"/>
+          </a:xfrm>
+          <a:prstGeom prst="ellipse">
+            <a:avLst/>
+          </a:prstGeom>
+        </p:spPr>
+        <p:style>
+          <a:lnRef idx="2">
+            <a:schemeClr val="accent1">
+              <a:shade val="50000"/>
+            </a:schemeClr>
+          </a:lnRef>
+          <a:fillRef idx="1">
+            <a:schemeClr val="accent1"/>
+          </a:fillRef>
+          <a:effectRef idx="0">
+            <a:schemeClr val="accent1"/>
+          </a:effectRef>
+          <a:fontRef idx="minor">
+            <a:schemeClr val="lt1"/>
+          </a:fontRef>
+        </p:style>
+        <p:txBody>
+          <a:bodyPr rtlCol="0" anchor="ctr"/>
+          <a:lstStyle/>
+          <a:p>
+            <a:pPr algn="ctr"/>
+            <a:r>
+              <a:rPr lang="en-US" altLang="zh-CN" dirty="0"/>
+              <a:t>+</a:t>
+            </a:r>
+          </a:p>
+        </p:txBody>
+      </p:sp>
+      <p:sp>
+        <p:nvSpPr>
+          <p:cNvPr id="19" name="文本框 18">
+            <a:extLst>
+              <a:ext uri="{FF2B5EF4-FFF2-40B4-BE49-F238E27FC236}">
+                <a16:creationId xmlns:a16="http://schemas.microsoft.com/office/drawing/2014/main" id="{3189D697-2C4C-417F-A615-88F0FA2A4024}"/>
+              </a:ext>
+            </a:extLst>
+          </p:cNvPr>
+          <p:cNvSpPr txBox="1"/>
+          <p:nvPr/>
+        </p:nvSpPr>
+        <p:spPr>
+          <a:xfrm>
+            <a:off x="4249127" y="1010723"/>
+            <a:ext cx="1470398" cy="369332"/>
+          </a:xfrm>
+          <a:prstGeom prst="rect">
+            <a:avLst/>
+          </a:prstGeom>
+          <a:noFill/>
+        </p:spPr>
+        <p:txBody>
+          <a:bodyPr wrap="square" rtlCol="0">
+            <a:spAutoFit/>
+          </a:bodyPr>
+          <a:lstStyle/>
+          <a:p>
+            <a:pPr algn="ctr"/>
+            <a:r>
+              <a:rPr lang="zh-CN" altLang="en-US" dirty="0"/>
+              <a:t>内存异常</a:t>
+            </a:r>
+          </a:p>
+        </p:txBody>
+      </p:sp>
+      <p:cxnSp>
+        <p:nvCxnSpPr>
+          <p:cNvPr id="21" name="直接箭头连接符 20">
+            <a:extLst>
+              <a:ext uri="{FF2B5EF4-FFF2-40B4-BE49-F238E27FC236}">
+                <a16:creationId xmlns:a16="http://schemas.microsoft.com/office/drawing/2014/main" id="{EAEABA31-8315-4A6E-9E78-9FE2E6D65550}"/>
+              </a:ext>
+            </a:extLst>
+          </p:cNvPr>
+          <p:cNvCxnSpPr>
+            <a:cxnSpLocks/>
+            <a:stCxn id="13" idx="6"/>
+            <a:endCxn id="15" idx="2"/>
+          </p:cNvCxnSpPr>
+          <p:nvPr/>
+        </p:nvCxnSpPr>
+        <p:spPr>
+          <a:xfrm flipV="1">
+            <a:off x="3101925" y="2862685"/>
+            <a:ext cx="1458024" cy="1"/>
+          </a:xfrm>
+          <a:prstGeom prst="straightConnector1">
+            <a:avLst/>
+          </a:prstGeom>
+          <a:ln w="57150">
+            <a:tailEnd type="triangle"/>
+          </a:ln>
+        </p:spPr>
+        <p:style>
+          <a:lnRef idx="1">
+            <a:schemeClr val="accent1"/>
+          </a:lnRef>
+          <a:fillRef idx="0">
+            <a:schemeClr val="accent1"/>
+          </a:fillRef>
+          <a:effectRef idx="0">
+            <a:schemeClr val="accent1"/>
+          </a:effectRef>
+          <a:fontRef idx="minor">
+            <a:schemeClr val="tx1"/>
+          </a:fontRef>
+        </p:style>
+      </p:cxnSp>
+      <p:cxnSp>
+        <p:nvCxnSpPr>
+          <p:cNvPr id="25" name="直接箭头连接符 24">
+            <a:extLst>
+              <a:ext uri="{FF2B5EF4-FFF2-40B4-BE49-F238E27FC236}">
+                <a16:creationId xmlns:a16="http://schemas.microsoft.com/office/drawing/2014/main" id="{D179AEBB-E92C-4096-BED3-FAF10D95C566}"/>
+              </a:ext>
+            </a:extLst>
+          </p:cNvPr>
+          <p:cNvCxnSpPr>
+            <a:stCxn id="15" idx="6"/>
+            <a:endCxn id="17" idx="2"/>
+          </p:cNvCxnSpPr>
+          <p:nvPr/>
+        </p:nvCxnSpPr>
+        <p:spPr>
+          <a:xfrm>
+            <a:off x="5408703" y="2862685"/>
+            <a:ext cx="1033647" cy="0"/>
+          </a:xfrm>
+          <a:prstGeom prst="straightConnector1">
+            <a:avLst/>
+          </a:prstGeom>
+          <a:ln w="57150">
+            <a:tailEnd type="triangle"/>
+          </a:ln>
+        </p:spPr>
+        <p:style>
+          <a:lnRef idx="1">
+            <a:schemeClr val="accent1"/>
+          </a:lnRef>
+          <a:fillRef idx="0">
+            <a:schemeClr val="accent1"/>
+          </a:fillRef>
+          <a:effectRef idx="0">
+            <a:schemeClr val="accent1"/>
+          </a:effectRef>
+          <a:fontRef idx="minor">
+            <a:schemeClr val="tx1"/>
+          </a:fontRef>
+        </p:style>
+      </p:cxnSp>
+      <p:cxnSp>
+        <p:nvCxnSpPr>
+          <p:cNvPr id="27" name="直接箭头连接符 26">
+            <a:extLst>
+              <a:ext uri="{FF2B5EF4-FFF2-40B4-BE49-F238E27FC236}">
+                <a16:creationId xmlns:a16="http://schemas.microsoft.com/office/drawing/2014/main" id="{F91750AA-503E-4687-961A-B17B85706A9F}"/>
+              </a:ext>
+            </a:extLst>
+          </p:cNvPr>
+          <p:cNvCxnSpPr>
+            <a:stCxn id="15" idx="0"/>
+            <a:endCxn id="19" idx="2"/>
+          </p:cNvCxnSpPr>
+          <p:nvPr/>
+        </p:nvCxnSpPr>
+        <p:spPr>
+          <a:xfrm flipV="1">
+            <a:off x="4984326" y="1380055"/>
+            <a:ext cx="0" cy="1058253"/>
+          </a:xfrm>
+          <a:prstGeom prst="straightConnector1">
+            <a:avLst/>
+          </a:prstGeom>
+          <a:ln w="57150">
+            <a:tailEnd type="triangle"/>
+          </a:ln>
+        </p:spPr>
+        <p:style>
+          <a:lnRef idx="1">
+            <a:schemeClr val="accent1"/>
+          </a:lnRef>
+          <a:fillRef idx="0">
+            <a:schemeClr val="accent1"/>
+          </a:fillRef>
+          <a:effectRef idx="0">
+            <a:schemeClr val="accent1"/>
+          </a:effectRef>
+          <a:fontRef idx="minor">
+            <a:schemeClr val="tx1"/>
+          </a:fontRef>
+        </p:style>
+      </p:cxnSp>
+      <p:sp>
+        <p:nvSpPr>
+          <p:cNvPr id="28" name="箭头: 上 27">
+            <a:extLst>
+              <a:ext uri="{FF2B5EF4-FFF2-40B4-BE49-F238E27FC236}">
+                <a16:creationId xmlns:a16="http://schemas.microsoft.com/office/drawing/2014/main" id="{F05A6062-B901-4C36-A9F5-EBF67B5E3CB5}"/>
+              </a:ext>
+            </a:extLst>
+          </p:cNvPr>
+          <p:cNvSpPr/>
+          <p:nvPr/>
+        </p:nvSpPr>
+        <p:spPr>
+          <a:xfrm>
+            <a:off x="1725799" y="3529823"/>
+            <a:ext cx="1458024" cy="973104"/>
+          </a:xfrm>
+          <a:prstGeom prst="upArrow">
+            <a:avLst/>
+          </a:prstGeom>
+        </p:spPr>
+        <p:style>
+          <a:lnRef idx="2">
+            <a:schemeClr val="accent2">
+              <a:shade val="50000"/>
+            </a:schemeClr>
+          </a:lnRef>
+          <a:fillRef idx="1">
+            <a:schemeClr val="accent2"/>
+          </a:fillRef>
+          <a:effectRef idx="0">
+            <a:schemeClr val="accent2"/>
+          </a:effectRef>
+          <a:fontRef idx="minor">
+            <a:schemeClr val="lt1"/>
+          </a:fontRef>
+        </p:style>
+        <p:txBody>
+          <a:bodyPr rtlCol="0" anchor="ctr"/>
+          <a:lstStyle/>
+          <a:p>
+            <a:pPr algn="ctr"/>
+            <a:r>
+              <a:rPr lang="zh-CN" altLang="en-US" dirty="0"/>
+              <a:t>指令</a:t>
+            </a:r>
+          </a:p>
+        </p:txBody>
+      </p:sp>
+      <p:sp>
+        <p:nvSpPr>
+          <p:cNvPr id="31" name="文本框 30">
+            <a:extLst>
+              <a:ext uri="{FF2B5EF4-FFF2-40B4-BE49-F238E27FC236}">
+                <a16:creationId xmlns:a16="http://schemas.microsoft.com/office/drawing/2014/main" id="{5204805E-8FE9-4299-AAB3-6FC328B4F9CF}"/>
+              </a:ext>
+            </a:extLst>
+          </p:cNvPr>
+          <p:cNvSpPr txBox="1"/>
+          <p:nvPr/>
+        </p:nvSpPr>
+        <p:spPr>
+          <a:xfrm>
+            <a:off x="4971952" y="1792045"/>
+            <a:ext cx="641057" cy="369319"/>
+          </a:xfrm>
+          <a:prstGeom prst="rect">
+            <a:avLst/>
+          </a:prstGeom>
+          <a:noFill/>
+        </p:spPr>
+        <p:txBody>
+          <a:bodyPr wrap="square" rtlCol="0">
+            <a:spAutoFit/>
+          </a:bodyPr>
+          <a:lstStyle/>
+          <a:p>
+            <a:pPr algn="ctr"/>
+            <a:r>
+              <a:rPr lang="en-US" altLang="zh-CN" dirty="0"/>
+              <a:t>no</a:t>
+            </a:r>
+            <a:endParaRPr lang="zh-CN" altLang="en-US" dirty="0"/>
+          </a:p>
+        </p:txBody>
+      </p:sp>
+      <p:sp>
+        <p:nvSpPr>
+          <p:cNvPr id="34" name="文本框 33">
+            <a:extLst>
+              <a:ext uri="{FF2B5EF4-FFF2-40B4-BE49-F238E27FC236}">
+                <a16:creationId xmlns:a16="http://schemas.microsoft.com/office/drawing/2014/main" id="{B187DE54-300F-4A38-8D40-38477AC3914B}"/>
+              </a:ext>
+            </a:extLst>
+          </p:cNvPr>
+          <p:cNvSpPr txBox="1"/>
+          <p:nvPr/>
+        </p:nvSpPr>
+        <p:spPr>
+          <a:xfrm>
+            <a:off x="3091213" y="2401265"/>
+            <a:ext cx="1470398" cy="369332"/>
+          </a:xfrm>
+          <a:prstGeom prst="rect">
+            <a:avLst/>
+          </a:prstGeom>
+          <a:noFill/>
+        </p:spPr>
+        <p:txBody>
+          <a:bodyPr wrap="square" rtlCol="0">
+            <a:spAutoFit/>
+          </a:bodyPr>
+          <a:lstStyle/>
+          <a:p>
+            <a:pPr algn="ctr"/>
+            <a:r>
+              <a:rPr lang="zh-CN" altLang="en-US" dirty="0"/>
+              <a:t>逻辑地址</a:t>
+            </a:r>
+          </a:p>
+        </p:txBody>
+      </p:sp>
+      <p:sp>
+        <p:nvSpPr>
+          <p:cNvPr id="36" name="文本框 35">
+            <a:extLst>
+              <a:ext uri="{FF2B5EF4-FFF2-40B4-BE49-F238E27FC236}">
+                <a16:creationId xmlns:a16="http://schemas.microsoft.com/office/drawing/2014/main" id="{CEFAE8F7-690F-474C-98D5-AA82509F2185}"/>
+              </a:ext>
+            </a:extLst>
+          </p:cNvPr>
+          <p:cNvSpPr txBox="1"/>
+          <p:nvPr/>
+        </p:nvSpPr>
+        <p:spPr>
+          <a:xfrm>
+            <a:off x="5604997" y="2928759"/>
+            <a:ext cx="641057" cy="369319"/>
+          </a:xfrm>
+          <a:prstGeom prst="rect">
+            <a:avLst/>
+          </a:prstGeom>
+          <a:noFill/>
+        </p:spPr>
+        <p:txBody>
+          <a:bodyPr wrap="square" rtlCol="0">
+            <a:spAutoFit/>
+          </a:bodyPr>
+          <a:lstStyle/>
+          <a:p>
+            <a:pPr algn="ctr"/>
+            <a:r>
+              <a:rPr lang="en-US" altLang="zh-CN" dirty="0"/>
+              <a:t>yes</a:t>
+            </a:r>
+            <a:endParaRPr lang="zh-CN" altLang="en-US" dirty="0"/>
+          </a:p>
+        </p:txBody>
+      </p:sp>
+      <p:sp>
+        <p:nvSpPr>
+          <p:cNvPr id="37" name="矩形 36">
+            <a:extLst>
+              <a:ext uri="{FF2B5EF4-FFF2-40B4-BE49-F238E27FC236}">
+                <a16:creationId xmlns:a16="http://schemas.microsoft.com/office/drawing/2014/main" id="{16F2A08D-5F7A-4506-AA31-0B8A7FA94BCB}"/>
+              </a:ext>
+            </a:extLst>
+          </p:cNvPr>
+          <p:cNvSpPr/>
+          <p:nvPr/>
+        </p:nvSpPr>
+        <p:spPr>
+          <a:xfrm>
+            <a:off x="4378081" y="4016375"/>
+            <a:ext cx="1187742" cy="691240"/>
+          </a:xfrm>
+          <a:prstGeom prst="rect">
+            <a:avLst/>
+          </a:prstGeom>
+        </p:spPr>
+        <p:style>
+          <a:lnRef idx="2">
+            <a:schemeClr val="accent4">
+              <a:shade val="50000"/>
+            </a:schemeClr>
+          </a:lnRef>
+          <a:fillRef idx="1">
+            <a:schemeClr val="accent4"/>
+          </a:fillRef>
+          <a:effectRef idx="0">
+            <a:schemeClr val="accent4"/>
+          </a:effectRef>
+          <a:fontRef idx="minor">
+            <a:schemeClr val="lt1"/>
+          </a:fontRef>
+        </p:style>
+        <p:txBody>
+          <a:bodyPr rtlCol="0" anchor="ctr"/>
+          <a:lstStyle/>
+          <a:p>
+            <a:pPr algn="ctr"/>
+            <a:r>
+              <a:rPr lang="en-US" altLang="zh-CN" dirty="0"/>
+              <a:t>500</a:t>
+            </a:r>
+            <a:endParaRPr lang="zh-CN" altLang="en-US" dirty="0"/>
+          </a:p>
+        </p:txBody>
+      </p:sp>
+      <p:sp>
+        <p:nvSpPr>
+          <p:cNvPr id="39" name="矩形 38">
+            <a:extLst>
+              <a:ext uri="{FF2B5EF4-FFF2-40B4-BE49-F238E27FC236}">
+                <a16:creationId xmlns:a16="http://schemas.microsoft.com/office/drawing/2014/main" id="{0C606526-6F06-4CAC-8050-522F1676EE58}"/>
+              </a:ext>
+            </a:extLst>
+          </p:cNvPr>
+          <p:cNvSpPr/>
+          <p:nvPr/>
+        </p:nvSpPr>
+        <p:spPr>
+          <a:xfrm>
+            <a:off x="6272856" y="4016375"/>
+            <a:ext cx="1187742" cy="691240"/>
+          </a:xfrm>
+          <a:prstGeom prst="rect">
+            <a:avLst/>
+          </a:prstGeom>
+        </p:spPr>
+        <p:style>
+          <a:lnRef idx="2">
+            <a:schemeClr val="accent4">
+              <a:shade val="50000"/>
+            </a:schemeClr>
+          </a:lnRef>
+          <a:fillRef idx="1">
+            <a:schemeClr val="accent4"/>
+          </a:fillRef>
+          <a:effectRef idx="0">
+            <a:schemeClr val="accent4"/>
+          </a:effectRef>
+          <a:fontRef idx="minor">
+            <a:schemeClr val="lt1"/>
+          </a:fontRef>
+        </p:style>
+        <p:txBody>
+          <a:bodyPr rtlCol="0" anchor="ctr"/>
+          <a:lstStyle/>
+          <a:p>
+            <a:pPr algn="ctr"/>
+            <a:r>
+              <a:rPr lang="en-US" altLang="zh-CN" dirty="0"/>
+              <a:t>1000</a:t>
+            </a:r>
+            <a:endParaRPr lang="zh-CN" altLang="en-US" dirty="0"/>
+          </a:p>
+        </p:txBody>
+      </p:sp>
+      <p:cxnSp>
+        <p:nvCxnSpPr>
+          <p:cNvPr id="41" name="直接箭头连接符 40">
+            <a:extLst>
+              <a:ext uri="{FF2B5EF4-FFF2-40B4-BE49-F238E27FC236}">
+                <a16:creationId xmlns:a16="http://schemas.microsoft.com/office/drawing/2014/main" id="{787C4BC2-30AF-4459-AA90-8308E27A4CF8}"/>
+              </a:ext>
+            </a:extLst>
+          </p:cNvPr>
+          <p:cNvCxnSpPr>
+            <a:cxnSpLocks/>
+            <a:stCxn id="37" idx="0"/>
+            <a:endCxn id="15" idx="4"/>
+          </p:cNvCxnSpPr>
+          <p:nvPr/>
+        </p:nvCxnSpPr>
+        <p:spPr>
+          <a:xfrm flipV="1">
+            <a:off x="4971952" y="3287062"/>
+            <a:ext cx="12374" cy="729313"/>
+          </a:xfrm>
+          <a:prstGeom prst="straightConnector1">
+            <a:avLst/>
+          </a:prstGeom>
+          <a:ln w="57150">
+            <a:tailEnd type="triangle"/>
+          </a:ln>
+        </p:spPr>
+        <p:style>
+          <a:lnRef idx="1">
+            <a:schemeClr val="accent2"/>
+          </a:lnRef>
+          <a:fillRef idx="0">
+            <a:schemeClr val="accent2"/>
+          </a:fillRef>
+          <a:effectRef idx="0">
+            <a:schemeClr val="accent2"/>
+          </a:effectRef>
+          <a:fontRef idx="minor">
+            <a:schemeClr val="tx1"/>
+          </a:fontRef>
+        </p:style>
+      </p:cxnSp>
+      <p:cxnSp>
+        <p:nvCxnSpPr>
+          <p:cNvPr id="45" name="直接箭头连接符 44">
+            <a:extLst>
+              <a:ext uri="{FF2B5EF4-FFF2-40B4-BE49-F238E27FC236}">
+                <a16:creationId xmlns:a16="http://schemas.microsoft.com/office/drawing/2014/main" id="{D876EA58-C1D1-47F2-8401-89BD570DF60A}"/>
+              </a:ext>
+            </a:extLst>
+          </p:cNvPr>
+          <p:cNvCxnSpPr>
+            <a:cxnSpLocks/>
+            <a:stCxn id="39" idx="0"/>
+            <a:endCxn id="17" idx="4"/>
+          </p:cNvCxnSpPr>
+          <p:nvPr/>
+        </p:nvCxnSpPr>
+        <p:spPr>
+          <a:xfrm flipV="1">
+            <a:off x="6866727" y="3287062"/>
+            <a:ext cx="0" cy="729313"/>
+          </a:xfrm>
+          <a:prstGeom prst="straightConnector1">
+            <a:avLst/>
+          </a:prstGeom>
+          <a:ln w="57150">
+            <a:tailEnd type="triangle"/>
+          </a:ln>
+        </p:spPr>
+        <p:style>
+          <a:lnRef idx="1">
+            <a:schemeClr val="accent2"/>
+          </a:lnRef>
+          <a:fillRef idx="0">
+            <a:schemeClr val="accent2"/>
+          </a:fillRef>
+          <a:effectRef idx="0">
+            <a:schemeClr val="accent2"/>
+          </a:effectRef>
+          <a:fontRef idx="minor">
+            <a:schemeClr val="tx1"/>
+          </a:fontRef>
+        </p:style>
+      </p:cxnSp>
+      <p:sp>
+        <p:nvSpPr>
+          <p:cNvPr id="48" name="文本框 47">
+            <a:extLst>
+              <a:ext uri="{FF2B5EF4-FFF2-40B4-BE49-F238E27FC236}">
+                <a16:creationId xmlns:a16="http://schemas.microsoft.com/office/drawing/2014/main" id="{28CF1C66-1CD1-42B1-B8F7-21B695791F9B}"/>
+              </a:ext>
+            </a:extLst>
+          </p:cNvPr>
+          <p:cNvSpPr txBox="1"/>
+          <p:nvPr/>
+        </p:nvSpPr>
+        <p:spPr>
+          <a:xfrm>
+            <a:off x="4152443" y="4962048"/>
+            <a:ext cx="1046021" cy="646331"/>
+          </a:xfrm>
+          <a:prstGeom prst="rect">
+            <a:avLst/>
+          </a:prstGeom>
+          <a:noFill/>
+        </p:spPr>
+        <p:txBody>
+          <a:bodyPr wrap="square" rtlCol="0">
+            <a:spAutoFit/>
+          </a:bodyPr>
+          <a:lstStyle/>
+          <a:p>
+            <a:pPr algn="ctr"/>
+            <a:r>
+              <a:rPr lang="zh-CN" altLang="en-US" dirty="0"/>
+              <a:t>段长度寄存器</a:t>
+            </a:r>
+          </a:p>
+        </p:txBody>
+      </p:sp>
+      <p:sp>
+        <p:nvSpPr>
+          <p:cNvPr id="50" name="文本框 49">
+            <a:extLst>
+              <a:ext uri="{FF2B5EF4-FFF2-40B4-BE49-F238E27FC236}">
+                <a16:creationId xmlns:a16="http://schemas.microsoft.com/office/drawing/2014/main" id="{5CC7388D-F056-4596-9BF1-A0271A35EDEB}"/>
+              </a:ext>
+            </a:extLst>
+          </p:cNvPr>
+          <p:cNvSpPr txBox="1"/>
+          <p:nvPr/>
+        </p:nvSpPr>
+        <p:spPr>
+          <a:xfrm>
+            <a:off x="6542625" y="4962048"/>
+            <a:ext cx="1046021" cy="646331"/>
+          </a:xfrm>
+          <a:prstGeom prst="rect">
+            <a:avLst/>
+          </a:prstGeom>
+          <a:noFill/>
+        </p:spPr>
+        <p:txBody>
+          <a:bodyPr wrap="square" rtlCol="0">
+            <a:spAutoFit/>
+          </a:bodyPr>
+          <a:lstStyle/>
+          <a:p>
+            <a:pPr algn="ctr"/>
+            <a:r>
+              <a:rPr lang="zh-CN" altLang="en-US" dirty="0"/>
+              <a:t>段基址寄存器</a:t>
+            </a:r>
+          </a:p>
+        </p:txBody>
+      </p:sp>
+      <p:sp>
+        <p:nvSpPr>
+          <p:cNvPr id="52" name="文本框 51">
+            <a:extLst>
+              <a:ext uri="{FF2B5EF4-FFF2-40B4-BE49-F238E27FC236}">
+                <a16:creationId xmlns:a16="http://schemas.microsoft.com/office/drawing/2014/main" id="{432BB252-A3C3-4336-AABE-24E32C83EFE2}"/>
+              </a:ext>
+            </a:extLst>
+          </p:cNvPr>
+          <p:cNvSpPr txBox="1"/>
+          <p:nvPr/>
+        </p:nvSpPr>
+        <p:spPr>
+          <a:xfrm>
+            <a:off x="5185858" y="5608379"/>
+            <a:ext cx="1380702" cy="369332"/>
+          </a:xfrm>
+          <a:prstGeom prst="rect">
+            <a:avLst/>
+          </a:prstGeom>
+          <a:noFill/>
+        </p:spPr>
+        <p:txBody>
+          <a:bodyPr wrap="square" rtlCol="0">
+            <a:spAutoFit/>
+          </a:bodyPr>
+          <a:lstStyle/>
+          <a:p>
+            <a:pPr algn="ctr"/>
+            <a:r>
+              <a:rPr lang="zh-CN" altLang="en-US" dirty="0"/>
+              <a:t>操作系统</a:t>
+            </a:r>
+          </a:p>
+        </p:txBody>
+      </p:sp>
+      <p:cxnSp>
+        <p:nvCxnSpPr>
+          <p:cNvPr id="54" name="直接箭头连接符 53">
+            <a:extLst>
+              <a:ext uri="{FF2B5EF4-FFF2-40B4-BE49-F238E27FC236}">
+                <a16:creationId xmlns:a16="http://schemas.microsoft.com/office/drawing/2014/main" id="{6A1E1EEF-A194-4378-9145-9D279BEFAF6D}"/>
+              </a:ext>
+            </a:extLst>
+          </p:cNvPr>
+          <p:cNvCxnSpPr>
+            <a:stCxn id="52" idx="0"/>
+            <a:endCxn id="37" idx="2"/>
+          </p:cNvCxnSpPr>
+          <p:nvPr/>
+        </p:nvCxnSpPr>
+        <p:spPr>
+          <a:xfrm flipH="1" flipV="1">
+            <a:off x="4971952" y="4707615"/>
+            <a:ext cx="904257" cy="900764"/>
+          </a:xfrm>
+          <a:prstGeom prst="straightConnector1">
+            <a:avLst/>
+          </a:prstGeom>
+          <a:ln w="57150">
+            <a:prstDash val="dash"/>
+            <a:tailEnd type="triangle"/>
+          </a:ln>
+        </p:spPr>
+        <p:style>
+          <a:lnRef idx="1">
+            <a:schemeClr val="accent2"/>
+          </a:lnRef>
+          <a:fillRef idx="0">
+            <a:schemeClr val="accent2"/>
+          </a:fillRef>
+          <a:effectRef idx="0">
+            <a:schemeClr val="accent2"/>
+          </a:effectRef>
+          <a:fontRef idx="minor">
+            <a:schemeClr val="tx1"/>
+          </a:fontRef>
+        </p:style>
+      </p:cxnSp>
+      <p:cxnSp>
+        <p:nvCxnSpPr>
+          <p:cNvPr id="56" name="直接箭头连接符 55">
+            <a:extLst>
+              <a:ext uri="{FF2B5EF4-FFF2-40B4-BE49-F238E27FC236}">
+                <a16:creationId xmlns:a16="http://schemas.microsoft.com/office/drawing/2014/main" id="{EDE6C093-307C-4D88-93C4-8C25323476AC}"/>
+              </a:ext>
+            </a:extLst>
+          </p:cNvPr>
+          <p:cNvCxnSpPr>
+            <a:stCxn id="52" idx="0"/>
+            <a:endCxn id="39" idx="2"/>
+          </p:cNvCxnSpPr>
+          <p:nvPr/>
+        </p:nvCxnSpPr>
+        <p:spPr>
+          <a:xfrm flipV="1">
+            <a:off x="5876209" y="4707615"/>
+            <a:ext cx="990518" cy="900764"/>
+          </a:xfrm>
+          <a:prstGeom prst="straightConnector1">
+            <a:avLst/>
+          </a:prstGeom>
+          <a:ln w="57150">
+            <a:prstDash val="dash"/>
+            <a:tailEnd type="triangle"/>
+          </a:ln>
+        </p:spPr>
+        <p:style>
+          <a:lnRef idx="1">
+            <a:schemeClr val="accent2"/>
+          </a:lnRef>
+          <a:fillRef idx="0">
+            <a:schemeClr val="accent2"/>
+          </a:fillRef>
+          <a:effectRef idx="0">
+            <a:schemeClr val="accent2"/>
+          </a:effectRef>
+          <a:fontRef idx="minor">
+            <a:schemeClr val="tx1"/>
+          </a:fontRef>
+        </p:style>
+      </p:cxnSp>
+      <p:sp>
+        <p:nvSpPr>
+          <p:cNvPr id="61" name="矩形 60">
+            <a:extLst>
+              <a:ext uri="{FF2B5EF4-FFF2-40B4-BE49-F238E27FC236}">
+                <a16:creationId xmlns:a16="http://schemas.microsoft.com/office/drawing/2014/main" id="{610455EE-E330-4AC1-A611-3F6B7AF06348}"/>
+              </a:ext>
+            </a:extLst>
+          </p:cNvPr>
+          <p:cNvSpPr/>
+          <p:nvPr/>
+        </p:nvSpPr>
+        <p:spPr>
+          <a:xfrm>
+            <a:off x="8699998" y="1553182"/>
+            <a:ext cx="1645732" cy="2554545"/>
+          </a:xfrm>
+          <a:prstGeom prst="rect">
+            <a:avLst/>
+          </a:prstGeom>
+        </p:spPr>
+        <p:style>
+          <a:lnRef idx="2">
+            <a:schemeClr val="accent1">
+              <a:shade val="50000"/>
+            </a:schemeClr>
+          </a:lnRef>
+          <a:fillRef idx="1">
+            <a:schemeClr val="accent1"/>
+          </a:fillRef>
+          <a:effectRef idx="0">
+            <a:schemeClr val="accent1"/>
+          </a:effectRef>
+          <a:fontRef idx="minor">
+            <a:schemeClr val="lt1"/>
+          </a:fontRef>
+        </p:style>
+        <p:txBody>
+          <a:bodyPr rtlCol="0" anchor="ctr"/>
+          <a:lstStyle/>
+          <a:p>
+            <a:pPr algn="ctr"/>
+            <a:r>
+              <a:rPr lang="zh-CN" altLang="en-US" dirty="0"/>
+              <a:t>进程</a:t>
+            </a:r>
+            <a:r>
+              <a:rPr lang="en-US" altLang="zh-CN" dirty="0"/>
+              <a:t>P</a:t>
+            </a:r>
+            <a:r>
+              <a:rPr lang="zh-CN" altLang="en-US" dirty="0"/>
+              <a:t>的物理地址空间</a:t>
+            </a:r>
+          </a:p>
+        </p:txBody>
+      </p:sp>
+      <p:cxnSp>
+        <p:nvCxnSpPr>
+          <p:cNvPr id="63" name="直接箭头连接符 62">
+            <a:extLst>
+              <a:ext uri="{FF2B5EF4-FFF2-40B4-BE49-F238E27FC236}">
+                <a16:creationId xmlns:a16="http://schemas.microsoft.com/office/drawing/2014/main" id="{F1329B4E-9ECA-4061-85BC-F5E226EB02D8}"/>
+              </a:ext>
+            </a:extLst>
+          </p:cNvPr>
+          <p:cNvCxnSpPr>
+            <a:stCxn id="17" idx="6"/>
+          </p:cNvCxnSpPr>
+          <p:nvPr/>
+        </p:nvCxnSpPr>
+        <p:spPr>
+          <a:xfrm>
+            <a:off x="7291104" y="2862685"/>
+            <a:ext cx="1408894" cy="0"/>
+          </a:xfrm>
+          <a:prstGeom prst="straightConnector1">
+            <a:avLst/>
+          </a:prstGeom>
+          <a:ln w="57150">
+            <a:tailEnd type="triangle"/>
+          </a:ln>
+        </p:spPr>
+        <p:style>
+          <a:lnRef idx="1">
+            <a:schemeClr val="accent1"/>
+          </a:lnRef>
+          <a:fillRef idx="0">
+            <a:schemeClr val="accent1"/>
+          </a:fillRef>
+          <a:effectRef idx="0">
+            <a:schemeClr val="accent1"/>
+          </a:effectRef>
+          <a:fontRef idx="minor">
+            <a:schemeClr val="tx1"/>
+          </a:fontRef>
+        </p:style>
+      </p:cxnSp>
+      <p:sp>
+        <p:nvSpPr>
+          <p:cNvPr id="67" name="文本框 66">
+            <a:extLst>
+              <a:ext uri="{FF2B5EF4-FFF2-40B4-BE49-F238E27FC236}">
+                <a16:creationId xmlns:a16="http://schemas.microsoft.com/office/drawing/2014/main" id="{01A0CE3A-A018-441F-AE0F-141731EA869B}"/>
+              </a:ext>
+            </a:extLst>
+          </p:cNvPr>
+          <p:cNvSpPr txBox="1"/>
+          <p:nvPr/>
+        </p:nvSpPr>
+        <p:spPr>
+          <a:xfrm>
+            <a:off x="4559950" y="5930288"/>
+            <a:ext cx="2900648" cy="646331"/>
+          </a:xfrm>
+          <a:prstGeom prst="rect">
+            <a:avLst/>
+          </a:prstGeom>
+          <a:noFill/>
+        </p:spPr>
+        <p:txBody>
+          <a:bodyPr wrap="square" rtlCol="0">
+            <a:spAutoFit/>
+          </a:bodyPr>
+          <a:lstStyle/>
+          <a:p>
+            <a:r>
+              <a:rPr lang="zh-CN" altLang="en-US" dirty="0"/>
+              <a:t>设置起始</a:t>
+            </a:r>
+            <a:r>
+              <a:rPr lang="en-US" altLang="zh-CN" dirty="0"/>
+              <a:t>(base)</a:t>
+            </a:r>
+            <a:r>
+              <a:rPr lang="zh-CN" altLang="en-US" dirty="0"/>
+              <a:t>和最大</a:t>
+            </a:r>
+            <a:r>
+              <a:rPr lang="en-US" altLang="zh-CN" dirty="0"/>
+              <a:t>(limit)</a:t>
+            </a:r>
+            <a:r>
+              <a:rPr lang="zh-CN" altLang="en-US" dirty="0"/>
+              <a:t>逻辑地址空间</a:t>
+            </a:r>
+          </a:p>
+        </p:txBody>
+      </p:sp>
+      <p:sp>
+        <p:nvSpPr>
+          <p:cNvPr id="69" name="文本框 68">
+            <a:extLst>
+              <a:ext uri="{FF2B5EF4-FFF2-40B4-BE49-F238E27FC236}">
+                <a16:creationId xmlns:a16="http://schemas.microsoft.com/office/drawing/2014/main" id="{43943C83-FB3C-444E-99BD-2DD571DE7420}"/>
+              </a:ext>
+            </a:extLst>
+          </p:cNvPr>
+          <p:cNvSpPr txBox="1"/>
+          <p:nvPr/>
+        </p:nvSpPr>
+        <p:spPr>
+          <a:xfrm>
+            <a:off x="7653977" y="1380055"/>
+            <a:ext cx="1046021" cy="369332"/>
+          </a:xfrm>
+          <a:prstGeom prst="rect">
+            <a:avLst/>
+          </a:prstGeom>
+          <a:noFill/>
+        </p:spPr>
+        <p:txBody>
+          <a:bodyPr wrap="square" rtlCol="0">
+            <a:spAutoFit/>
+          </a:bodyPr>
+          <a:lstStyle/>
+          <a:p>
+            <a:pPr algn="ctr"/>
+            <a:r>
+              <a:rPr lang="en-US" altLang="zh-CN" dirty="0"/>
+              <a:t>1500</a:t>
+            </a:r>
+            <a:endParaRPr lang="zh-CN" altLang="en-US" dirty="0"/>
+          </a:p>
+        </p:txBody>
+      </p:sp>
+      <p:sp>
+        <p:nvSpPr>
+          <p:cNvPr id="71" name="文本框 70">
+            <a:extLst>
+              <a:ext uri="{FF2B5EF4-FFF2-40B4-BE49-F238E27FC236}">
+                <a16:creationId xmlns:a16="http://schemas.microsoft.com/office/drawing/2014/main" id="{BB7E92F2-7BD8-4E0A-B46D-E84F30C06BDE}"/>
+              </a:ext>
+            </a:extLst>
+          </p:cNvPr>
+          <p:cNvSpPr txBox="1"/>
+          <p:nvPr/>
+        </p:nvSpPr>
+        <p:spPr>
+          <a:xfrm>
+            <a:off x="7653976" y="3831709"/>
+            <a:ext cx="1046021" cy="369332"/>
+          </a:xfrm>
+          <a:prstGeom prst="rect">
+            <a:avLst/>
+          </a:prstGeom>
+          <a:noFill/>
+        </p:spPr>
+        <p:txBody>
+          <a:bodyPr wrap="square" rtlCol="0">
+            <a:spAutoFit/>
+          </a:bodyPr>
+          <a:lstStyle/>
+          <a:p>
+            <a:pPr algn="ctr"/>
+            <a:r>
+              <a:rPr lang="en-US" altLang="zh-CN" dirty="0"/>
+              <a:t>1000</a:t>
+            </a:r>
+            <a:endParaRPr lang="zh-CN" altLang="en-US" dirty="0"/>
+          </a:p>
+        </p:txBody>
+      </p:sp>
+      <p:sp>
+        <p:nvSpPr>
+          <p:cNvPr id="73" name="文本框 72">
+            <a:extLst>
+              <a:ext uri="{FF2B5EF4-FFF2-40B4-BE49-F238E27FC236}">
+                <a16:creationId xmlns:a16="http://schemas.microsoft.com/office/drawing/2014/main" id="{7F5A02BD-699C-4244-9B3B-934F3B98CA84}"/>
+              </a:ext>
+            </a:extLst>
+          </p:cNvPr>
+          <p:cNvSpPr txBox="1"/>
+          <p:nvPr/>
+        </p:nvSpPr>
+        <p:spPr>
+          <a:xfrm>
+            <a:off x="7343155" y="2401266"/>
+            <a:ext cx="1152537" cy="369332"/>
+          </a:xfrm>
+          <a:prstGeom prst="rect">
+            <a:avLst/>
+          </a:prstGeom>
+          <a:noFill/>
+        </p:spPr>
+        <p:txBody>
+          <a:bodyPr wrap="square" rtlCol="0">
+            <a:spAutoFit/>
+          </a:bodyPr>
+          <a:lstStyle/>
+          <a:p>
+            <a:pPr algn="ctr"/>
+            <a:r>
+              <a:rPr lang="zh-CN" altLang="en-US" dirty="0"/>
+              <a:t>物理地址</a:t>
+            </a:r>
+          </a:p>
+        </p:txBody>
+      </p:sp>
+    </p:spTree>
+    <p:extLst>
+      <p:ext uri="{BB962C8B-B14F-4D97-AF65-F5344CB8AC3E}">
+        <p14:creationId xmlns:p14="http://schemas.microsoft.com/office/powerpoint/2010/main" val="505881320"/>
+      </p:ext>
+    </p:extLst>
+  </p:cSld>
+  <p:clrMapOvr>
+    <a:masterClrMapping/>
+  </p:clrMapOvr>
+</p:sld>
+</file>
+
+<file path=ppt/slides/slide5.xml><?xml version="1.0" encoding="utf-8"?>
+<p:sld xmlns:a="http://schemas.openxmlformats.org/drawingml/2006/main" xmlns:r="http://schemas.openxmlformats.org/officeDocument/2006/relationships" xmlns:p="http://schemas.openxmlformats.org/presentationml/2006/main">
+  <p:cSld>
+    <p:spTree>
+      <p:nvGrpSpPr>
+        <p:cNvPr id="1" name=""/>
+        <p:cNvGrpSpPr/>
+        <p:nvPr/>
+      </p:nvGrpSpPr>
+      <p:grpSpPr>
+        <a:xfrm>
+          <a:off x="0" y="0"/>
+          <a:ext cx="0" cy="0"/>
+          <a:chOff x="0" y="0"/>
+          <a:chExt cx="0" cy="0"/>
+        </a:xfrm>
+      </p:grpSpPr>
+      <p:pic>
+        <p:nvPicPr>
+          <p:cNvPr id="4" name="图片 3">
+            <a:extLst>
+              <a:ext uri="{FF2B5EF4-FFF2-40B4-BE49-F238E27FC236}">
+                <a16:creationId xmlns:a16="http://schemas.microsoft.com/office/drawing/2014/main" id="{0FDE7748-DE60-4E77-95A0-4DF3CB72C9C4}"/>
+              </a:ext>
+            </a:extLst>
+          </p:cNvPr>
+          <p:cNvPicPr>
+            <a:picLocks noChangeAspect="1"/>
+          </p:cNvPicPr>
+          <p:nvPr/>
+        </p:nvPicPr>
+        <p:blipFill>
+          <a:blip r:embed="rId2"/>
+          <a:stretch>
+            <a:fillRect/>
+          </a:stretch>
+        </p:blipFill>
+        <p:spPr>
+          <a:xfrm>
+            <a:off x="912055" y="979009"/>
+            <a:ext cx="10367889" cy="4899982"/>
+          </a:xfrm>
+          <a:prstGeom prst="rect">
+            <a:avLst/>
+          </a:prstGeom>
+        </p:spPr>
+      </p:pic>
+    </p:spTree>
+    <p:extLst>
+      <p:ext uri="{BB962C8B-B14F-4D97-AF65-F5344CB8AC3E}">
+        <p14:creationId xmlns:p14="http://schemas.microsoft.com/office/powerpoint/2010/main" val="228699222"/>
+      </p:ext>
+    </p:extLst>
+  </p:cSld>
+  <p:clrMapOvr>
+    <a:masterClrMapping/>
+  </p:clrMapOvr>
+</p:sld>
+</file>
+
 <file path=ppt/tags/tag1.xml><?xml version="1.0" encoding="utf-8"?>
 <p:tagLst xmlns:a="http://schemas.openxmlformats.org/drawingml/2006/main" xmlns:r="http://schemas.openxmlformats.org/officeDocument/2006/relationships" xmlns:p="http://schemas.openxmlformats.org/presentationml/2006/main">
   <p:tag name="ISLIDE.GUIDESSETTING" val="{&quot;Id&quot;:null,&quot;Name&quot;:&quot;无&quot;,&quot;HeaderHeight&quot;:0.0,&quot;FooterHeight&quot;:0.0,&quot;SideMargin&quot;:0.0,&quot;TopMargin&quot;:0.0,&quot;BottomMargin&quot;:0.0,&quot;IntervalMargin&quot;:0.0,&quot;SettingType&quot;:&quot;System&quot;}"/>

--- a/图片/操作系统的图（整成一个PPT文件里）.pptx
+++ b/图片/操作系统的图（整成一个PPT文件里）.pptx
@@ -10,11 +10,16 @@
     <p:sldId id="258" r:id="rId4"/>
     <p:sldId id="259" r:id="rId5"/>
     <p:sldId id="260" r:id="rId6"/>
+    <p:sldId id="261" r:id="rId7"/>
+    <p:sldId id="262" r:id="rId8"/>
+    <p:sldId id="263" r:id="rId9"/>
+    <p:sldId id="264" r:id="rId10"/>
+    <p:sldId id="265" r:id="rId11"/>
   </p:sldIdLst>
   <p:sldSz cx="12192000" cy="6858000"/>
   <p:notesSz cx="6858000" cy="9144000"/>
   <p:custDataLst>
-    <p:tags r:id="rId7"/>
+    <p:tags r:id="rId12"/>
   </p:custDataLst>
   <p:defaultTextStyle>
     <a:defPPr>
@@ -266,7 +271,7 @@
           <a:p>
             <a:fld id="{3DFBA3FD-CA1A-4ECE-AD5D-6DE80E83FD01}" type="datetimeFigureOut">
               <a:rPr lang="zh-CN" altLang="en-US" smtClean="0"/>
-              <a:t>20/08/12</a:t>
+              <a:t>20/08/13</a:t>
             </a:fld>
             <a:endParaRPr lang="zh-CN" altLang="en-US"/>
           </a:p>
@@ -464,7 +469,7 @@
           <a:p>
             <a:fld id="{3DFBA3FD-CA1A-4ECE-AD5D-6DE80E83FD01}" type="datetimeFigureOut">
               <a:rPr lang="zh-CN" altLang="en-US" smtClean="0"/>
-              <a:t>20/08/12</a:t>
+              <a:t>20/08/13</a:t>
             </a:fld>
             <a:endParaRPr lang="zh-CN" altLang="en-US"/>
           </a:p>
@@ -672,7 +677,7 @@
           <a:p>
             <a:fld id="{3DFBA3FD-CA1A-4ECE-AD5D-6DE80E83FD01}" type="datetimeFigureOut">
               <a:rPr lang="zh-CN" altLang="en-US" smtClean="0"/>
-              <a:t>20/08/12</a:t>
+              <a:t>20/08/13</a:t>
             </a:fld>
             <a:endParaRPr lang="zh-CN" altLang="en-US"/>
           </a:p>
@@ -870,7 +875,7 @@
           <a:p>
             <a:fld id="{3DFBA3FD-CA1A-4ECE-AD5D-6DE80E83FD01}" type="datetimeFigureOut">
               <a:rPr lang="zh-CN" altLang="en-US" smtClean="0"/>
-              <a:t>20/08/12</a:t>
+              <a:t>20/08/13</a:t>
             </a:fld>
             <a:endParaRPr lang="zh-CN" altLang="en-US"/>
           </a:p>
@@ -1145,7 +1150,7 @@
           <a:p>
             <a:fld id="{3DFBA3FD-CA1A-4ECE-AD5D-6DE80E83FD01}" type="datetimeFigureOut">
               <a:rPr lang="zh-CN" altLang="en-US" smtClean="0"/>
-              <a:t>20/08/12</a:t>
+              <a:t>20/08/13</a:t>
             </a:fld>
             <a:endParaRPr lang="zh-CN" altLang="en-US"/>
           </a:p>
@@ -1410,7 +1415,7 @@
           <a:p>
             <a:fld id="{3DFBA3FD-CA1A-4ECE-AD5D-6DE80E83FD01}" type="datetimeFigureOut">
               <a:rPr lang="zh-CN" altLang="en-US" smtClean="0"/>
-              <a:t>20/08/12</a:t>
+              <a:t>20/08/13</a:t>
             </a:fld>
             <a:endParaRPr lang="zh-CN" altLang="en-US"/>
           </a:p>
@@ -1822,7 +1827,7 @@
           <a:p>
             <a:fld id="{3DFBA3FD-CA1A-4ECE-AD5D-6DE80E83FD01}" type="datetimeFigureOut">
               <a:rPr lang="zh-CN" altLang="en-US" smtClean="0"/>
-              <a:t>20/08/12</a:t>
+              <a:t>20/08/13</a:t>
             </a:fld>
             <a:endParaRPr lang="zh-CN" altLang="en-US"/>
           </a:p>
@@ -1963,7 +1968,7 @@
           <a:p>
             <a:fld id="{3DFBA3FD-CA1A-4ECE-AD5D-6DE80E83FD01}" type="datetimeFigureOut">
               <a:rPr lang="zh-CN" altLang="en-US" smtClean="0"/>
-              <a:t>20/08/12</a:t>
+              <a:t>20/08/13</a:t>
             </a:fld>
             <a:endParaRPr lang="zh-CN" altLang="en-US"/>
           </a:p>
@@ -2076,7 +2081,7 @@
           <a:p>
             <a:fld id="{3DFBA3FD-CA1A-4ECE-AD5D-6DE80E83FD01}" type="datetimeFigureOut">
               <a:rPr lang="zh-CN" altLang="en-US" smtClean="0"/>
-              <a:t>20/08/12</a:t>
+              <a:t>20/08/13</a:t>
             </a:fld>
             <a:endParaRPr lang="zh-CN" altLang="en-US"/>
           </a:p>
@@ -2387,7 +2392,7 @@
           <a:p>
             <a:fld id="{3DFBA3FD-CA1A-4ECE-AD5D-6DE80E83FD01}" type="datetimeFigureOut">
               <a:rPr lang="zh-CN" altLang="en-US" smtClean="0"/>
-              <a:t>20/08/12</a:t>
+              <a:t>20/08/13</a:t>
             </a:fld>
             <a:endParaRPr lang="zh-CN" altLang="en-US"/>
           </a:p>
@@ -2675,7 +2680,7 @@
           <a:p>
             <a:fld id="{3DFBA3FD-CA1A-4ECE-AD5D-6DE80E83FD01}" type="datetimeFigureOut">
               <a:rPr lang="zh-CN" altLang="en-US" smtClean="0"/>
-              <a:t>20/08/12</a:t>
+              <a:t>20/08/13</a:t>
             </a:fld>
             <a:endParaRPr lang="zh-CN" altLang="en-US"/>
           </a:p>
@@ -2916,7 +2921,7 @@
           <a:p>
             <a:fld id="{3DFBA3FD-CA1A-4ECE-AD5D-6DE80E83FD01}" type="datetimeFigureOut">
               <a:rPr lang="zh-CN" altLang="en-US" smtClean="0"/>
-              <a:t>20/08/12</a:t>
+              <a:t>20/08/13</a:t>
             </a:fld>
             <a:endParaRPr lang="zh-CN" altLang="en-US"/>
           </a:p>
@@ -4055,6 +4060,104 @@
 </p:sld>
 </file>
 
+<file path=ppt/slides/slide10.xml><?xml version="1.0" encoding="utf-8"?>
+<p:sld xmlns:a="http://schemas.openxmlformats.org/drawingml/2006/main" xmlns:r="http://schemas.openxmlformats.org/officeDocument/2006/relationships" xmlns:p="http://schemas.openxmlformats.org/presentationml/2006/main">
+  <p:cSld>
+    <p:spTree>
+      <p:nvGrpSpPr>
+        <p:cNvPr id="1" name=""/>
+        <p:cNvGrpSpPr/>
+        <p:nvPr/>
+      </p:nvGrpSpPr>
+      <p:grpSpPr>
+        <a:xfrm>
+          <a:off x="0" y="0"/>
+          <a:ext cx="0" cy="0"/>
+          <a:chOff x="0" y="0"/>
+          <a:chExt cx="0" cy="0"/>
+        </a:xfrm>
+      </p:grpSpPr>
+      <p:pic>
+        <p:nvPicPr>
+          <p:cNvPr id="4" name="图片 3">
+            <a:extLst>
+              <a:ext uri="{FF2B5EF4-FFF2-40B4-BE49-F238E27FC236}">
+                <a16:creationId xmlns:a16="http://schemas.microsoft.com/office/drawing/2014/main" id="{0E06023E-661B-4A85-9F7F-33245790589E}"/>
+              </a:ext>
+            </a:extLst>
+          </p:cNvPr>
+          <p:cNvPicPr>
+            <a:picLocks noChangeAspect="1"/>
+          </p:cNvPicPr>
+          <p:nvPr/>
+        </p:nvPicPr>
+        <p:blipFill>
+          <a:blip r:embed="rId2"/>
+          <a:stretch>
+            <a:fillRect/>
+          </a:stretch>
+        </p:blipFill>
+        <p:spPr>
+          <a:xfrm>
+            <a:off x="2286621" y="885356"/>
+            <a:ext cx="7618758" cy="5087287"/>
+          </a:xfrm>
+          <a:prstGeom prst="rect">
+            <a:avLst/>
+          </a:prstGeom>
+        </p:spPr>
+      </p:pic>
+      <p:sp>
+        <p:nvSpPr>
+          <p:cNvPr id="6" name="文本框 5">
+            <a:extLst>
+              <a:ext uri="{FF2B5EF4-FFF2-40B4-BE49-F238E27FC236}">
+                <a16:creationId xmlns:a16="http://schemas.microsoft.com/office/drawing/2014/main" id="{D1DEADA7-B1AC-49C6-B7B0-B79AF2BBEDEB}"/>
+              </a:ext>
+            </a:extLst>
+          </p:cNvPr>
+          <p:cNvSpPr txBox="1"/>
+          <p:nvPr/>
+        </p:nvSpPr>
+        <p:spPr>
+          <a:xfrm>
+            <a:off x="11042871" y="920620"/>
+            <a:ext cx="515492" cy="1323439"/>
+          </a:xfrm>
+          <a:prstGeom prst="rect">
+            <a:avLst/>
+          </a:prstGeom>
+          <a:noFill/>
+        </p:spPr>
+        <p:txBody>
+          <a:bodyPr wrap="square" rtlCol="0">
+            <a:spAutoFit/>
+          </a:bodyPr>
+          <a:lstStyle/>
+          <a:p>
+            <a:r>
+              <a:rPr lang="zh-CN" altLang="en-US" sz="4000" dirty="0">
+                <a:latin typeface="华文行楷" panose="02010800040101010101" pitchFamily="2" charset="-122"/>
+                <a:ea typeface="华文行楷" panose="02010800040101010101" pitchFamily="2" charset="-122"/>
+              </a:rPr>
+              <a:t>页表</a:t>
+            </a:r>
+          </a:p>
+        </p:txBody>
+      </p:sp>
+    </p:spTree>
+    <p:extLst>
+      <p:ext uri="{BB962C8B-B14F-4D97-AF65-F5344CB8AC3E}">
+        <p14:creationId xmlns:p14="http://schemas.microsoft.com/office/powerpoint/2010/main" val="3417321951"/>
+      </p:ext>
+    </p:extLst>
+  </p:cSld>
+  <p:clrMapOvr>
+    <a:masterClrMapping/>
+  </p:clrMapOvr>
+</p:sld>
+</file>
+
 <file path=ppt/slides/slide2.xml><?xml version="1.0" encoding="utf-8"?>
 <p:sld xmlns:a="http://schemas.openxmlformats.org/drawingml/2006/main" xmlns:r="http://schemas.openxmlformats.org/officeDocument/2006/relationships" xmlns:p="http://schemas.openxmlformats.org/presentationml/2006/main">
   <p:cSld>
@@ -6587,8 +6690,400 @@
         </p:blipFill>
         <p:spPr>
           <a:xfrm>
-            <a:off x="912055" y="979009"/>
+            <a:off x="209690" y="979009"/>
             <a:ext cx="10367889" cy="4899982"/>
+          </a:xfrm>
+          <a:prstGeom prst="rect">
+            <a:avLst/>
+          </a:prstGeom>
+        </p:spPr>
+      </p:pic>
+      <p:sp>
+        <p:nvSpPr>
+          <p:cNvPr id="2" name="文本框 1">
+            <a:extLst>
+              <a:ext uri="{FF2B5EF4-FFF2-40B4-BE49-F238E27FC236}">
+                <a16:creationId xmlns:a16="http://schemas.microsoft.com/office/drawing/2014/main" id="{C69EA704-58DE-4D5B-9C42-416EE906E255}"/>
+              </a:ext>
+            </a:extLst>
+          </p:cNvPr>
+          <p:cNvSpPr txBox="1"/>
+          <p:nvPr/>
+        </p:nvSpPr>
+        <p:spPr>
+          <a:xfrm>
+            <a:off x="11006776" y="609222"/>
+            <a:ext cx="515492" cy="3785652"/>
+          </a:xfrm>
+          <a:prstGeom prst="rect">
+            <a:avLst/>
+          </a:prstGeom>
+          <a:noFill/>
+        </p:spPr>
+        <p:txBody>
+          <a:bodyPr wrap="square" rtlCol="0">
+            <a:spAutoFit/>
+          </a:bodyPr>
+          <a:lstStyle/>
+          <a:p>
+            <a:r>
+              <a:rPr lang="zh-CN" altLang="en-US" sz="4000" dirty="0">
+                <a:latin typeface="华文行楷" panose="02010800040101010101" pitchFamily="2" charset="-122"/>
+                <a:ea typeface="华文行楷" panose="02010800040101010101" pitchFamily="2" charset="-122"/>
+              </a:rPr>
+              <a:t>伙伴系统实例</a:t>
+            </a:r>
+          </a:p>
+        </p:txBody>
+      </p:sp>
+    </p:spTree>
+    <p:extLst>
+      <p:ext uri="{BB962C8B-B14F-4D97-AF65-F5344CB8AC3E}">
+        <p14:creationId xmlns:p14="http://schemas.microsoft.com/office/powerpoint/2010/main" val="228699222"/>
+      </p:ext>
+    </p:extLst>
+  </p:cSld>
+  <p:clrMapOvr>
+    <a:masterClrMapping/>
+  </p:clrMapOvr>
+</p:sld>
+</file>
+
+<file path=ppt/slides/slide6.xml><?xml version="1.0" encoding="utf-8"?>
+<p:sld xmlns:a="http://schemas.openxmlformats.org/drawingml/2006/main" xmlns:r="http://schemas.openxmlformats.org/officeDocument/2006/relationships" xmlns:p="http://schemas.openxmlformats.org/presentationml/2006/main">
+  <p:cSld>
+    <p:spTree>
+      <p:nvGrpSpPr>
+        <p:cNvPr id="1" name=""/>
+        <p:cNvGrpSpPr/>
+        <p:nvPr/>
+      </p:nvGrpSpPr>
+      <p:grpSpPr>
+        <a:xfrm>
+          <a:off x="0" y="0"/>
+          <a:ext cx="0" cy="0"/>
+          <a:chOff x="0" y="0"/>
+          <a:chExt cx="0" cy="0"/>
+        </a:xfrm>
+      </p:grpSpPr>
+      <p:pic>
+        <p:nvPicPr>
+          <p:cNvPr id="4" name="图片 3">
+            <a:extLst>
+              <a:ext uri="{FF2B5EF4-FFF2-40B4-BE49-F238E27FC236}">
+                <a16:creationId xmlns:a16="http://schemas.microsoft.com/office/drawing/2014/main" id="{FCB21B7E-A01A-4DFC-9A84-E4AA045F0D8D}"/>
+              </a:ext>
+            </a:extLst>
+          </p:cNvPr>
+          <p:cNvPicPr>
+            <a:picLocks noChangeAspect="1"/>
+          </p:cNvPicPr>
+          <p:nvPr/>
+        </p:nvPicPr>
+        <p:blipFill>
+          <a:blip r:embed="rId2"/>
+          <a:stretch>
+            <a:fillRect/>
+          </a:stretch>
+        </p:blipFill>
+        <p:spPr>
+          <a:xfrm>
+            <a:off x="1611167" y="453725"/>
+            <a:ext cx="8969665" cy="5934474"/>
+          </a:xfrm>
+          <a:prstGeom prst="rect">
+            <a:avLst/>
+          </a:prstGeom>
+        </p:spPr>
+      </p:pic>
+      <p:sp>
+        <p:nvSpPr>
+          <p:cNvPr id="6" name="文本框 5">
+            <a:extLst>
+              <a:ext uri="{FF2B5EF4-FFF2-40B4-BE49-F238E27FC236}">
+                <a16:creationId xmlns:a16="http://schemas.microsoft.com/office/drawing/2014/main" id="{65124C53-E551-4010-A96F-85E16A83E7A0}"/>
+              </a:ext>
+            </a:extLst>
+          </p:cNvPr>
+          <p:cNvSpPr txBox="1"/>
+          <p:nvPr/>
+        </p:nvSpPr>
+        <p:spPr>
+          <a:xfrm>
+            <a:off x="10994745" y="305068"/>
+            <a:ext cx="515492" cy="6247864"/>
+          </a:xfrm>
+          <a:prstGeom prst="rect">
+            <a:avLst/>
+          </a:prstGeom>
+          <a:noFill/>
+        </p:spPr>
+        <p:txBody>
+          <a:bodyPr wrap="square" rtlCol="0">
+            <a:spAutoFit/>
+          </a:bodyPr>
+          <a:lstStyle/>
+          <a:p>
+            <a:r>
+              <a:rPr lang="zh-CN" altLang="en-US" sz="4000" dirty="0">
+                <a:latin typeface="华文行楷" panose="02010800040101010101" pitchFamily="2" charset="-122"/>
+                <a:ea typeface="华文行楷" panose="02010800040101010101" pitchFamily="2" charset="-122"/>
+              </a:rPr>
+              <a:t>段地址空间的逻辑视图</a:t>
+            </a:r>
+          </a:p>
+        </p:txBody>
+      </p:sp>
+    </p:spTree>
+    <p:extLst>
+      <p:ext uri="{BB962C8B-B14F-4D97-AF65-F5344CB8AC3E}">
+        <p14:creationId xmlns:p14="http://schemas.microsoft.com/office/powerpoint/2010/main" val="2693142318"/>
+      </p:ext>
+    </p:extLst>
+  </p:cSld>
+  <p:clrMapOvr>
+    <a:masterClrMapping/>
+  </p:clrMapOvr>
+</p:sld>
+</file>
+
+<file path=ppt/slides/slide7.xml><?xml version="1.0" encoding="utf-8"?>
+<p:sld xmlns:a="http://schemas.openxmlformats.org/drawingml/2006/main" xmlns:r="http://schemas.openxmlformats.org/officeDocument/2006/relationships" xmlns:p="http://schemas.openxmlformats.org/presentationml/2006/main">
+  <p:cSld>
+    <p:spTree>
+      <p:nvGrpSpPr>
+        <p:cNvPr id="1" name=""/>
+        <p:cNvGrpSpPr/>
+        <p:nvPr/>
+      </p:nvGrpSpPr>
+      <p:grpSpPr>
+        <a:xfrm>
+          <a:off x="0" y="0"/>
+          <a:ext cx="0" cy="0"/>
+          <a:chOff x="0" y="0"/>
+          <a:chExt cx="0" cy="0"/>
+        </a:xfrm>
+      </p:grpSpPr>
+      <p:pic>
+        <p:nvPicPr>
+          <p:cNvPr id="4" name="图片 3">
+            <a:extLst>
+              <a:ext uri="{FF2B5EF4-FFF2-40B4-BE49-F238E27FC236}">
+                <a16:creationId xmlns:a16="http://schemas.microsoft.com/office/drawing/2014/main" id="{8FDBAF1E-4845-4DA4-BADA-C6115B4A6DF1}"/>
+              </a:ext>
+            </a:extLst>
+          </p:cNvPr>
+          <p:cNvPicPr>
+            <a:picLocks noChangeAspect="1"/>
+          </p:cNvPicPr>
+          <p:nvPr/>
+        </p:nvPicPr>
+        <p:blipFill>
+          <a:blip r:embed="rId2"/>
+          <a:stretch>
+            <a:fillRect/>
+          </a:stretch>
+        </p:blipFill>
+        <p:spPr>
+          <a:xfrm>
+            <a:off x="2201837" y="815200"/>
+            <a:ext cx="7788325" cy="5227599"/>
+          </a:xfrm>
+          <a:prstGeom prst="rect">
+            <a:avLst/>
+          </a:prstGeom>
+        </p:spPr>
+      </p:pic>
+      <p:sp>
+        <p:nvSpPr>
+          <p:cNvPr id="6" name="文本框 5">
+            <a:extLst>
+              <a:ext uri="{FF2B5EF4-FFF2-40B4-BE49-F238E27FC236}">
+                <a16:creationId xmlns:a16="http://schemas.microsoft.com/office/drawing/2014/main" id="{4B1ED429-4544-43F9-8489-DAF89377E60C}"/>
+              </a:ext>
+            </a:extLst>
+          </p:cNvPr>
+          <p:cNvSpPr txBox="1"/>
+          <p:nvPr/>
+        </p:nvSpPr>
+        <p:spPr>
+          <a:xfrm>
+            <a:off x="10994745" y="305068"/>
+            <a:ext cx="515492" cy="6247864"/>
+          </a:xfrm>
+          <a:prstGeom prst="rect">
+            <a:avLst/>
+          </a:prstGeom>
+          <a:noFill/>
+        </p:spPr>
+        <p:txBody>
+          <a:bodyPr wrap="square" rtlCol="0">
+            <a:spAutoFit/>
+          </a:bodyPr>
+          <a:lstStyle/>
+          <a:p>
+            <a:r>
+              <a:rPr lang="zh-CN" altLang="en-US" sz="4000" dirty="0">
+                <a:latin typeface="华文行楷" panose="02010800040101010101" pitchFamily="2" charset="-122"/>
+                <a:ea typeface="华文行楷" panose="02010800040101010101" pitchFamily="2" charset="-122"/>
+              </a:rPr>
+              <a:t>段地址空间的逻辑视图</a:t>
+            </a:r>
+          </a:p>
+        </p:txBody>
+      </p:sp>
+    </p:spTree>
+    <p:extLst>
+      <p:ext uri="{BB962C8B-B14F-4D97-AF65-F5344CB8AC3E}">
+        <p14:creationId xmlns:p14="http://schemas.microsoft.com/office/powerpoint/2010/main" val="2205562538"/>
+      </p:ext>
+    </p:extLst>
+  </p:cSld>
+  <p:clrMapOvr>
+    <a:masterClrMapping/>
+  </p:clrMapOvr>
+</p:sld>
+</file>
+
+<file path=ppt/slides/slide8.xml><?xml version="1.0" encoding="utf-8"?>
+<p:sld xmlns:a="http://schemas.openxmlformats.org/drawingml/2006/main" xmlns:r="http://schemas.openxmlformats.org/officeDocument/2006/relationships" xmlns:p="http://schemas.openxmlformats.org/presentationml/2006/main">
+  <p:cSld>
+    <p:spTree>
+      <p:nvGrpSpPr>
+        <p:cNvPr id="1" name=""/>
+        <p:cNvGrpSpPr/>
+        <p:nvPr/>
+      </p:nvGrpSpPr>
+      <p:grpSpPr>
+        <a:xfrm>
+          <a:off x="0" y="0"/>
+          <a:ext cx="0" cy="0"/>
+          <a:chOff x="0" y="0"/>
+          <a:chExt cx="0" cy="0"/>
+        </a:xfrm>
+      </p:grpSpPr>
+      <p:pic>
+        <p:nvPicPr>
+          <p:cNvPr id="4" name="图片 3">
+            <a:extLst>
+              <a:ext uri="{FF2B5EF4-FFF2-40B4-BE49-F238E27FC236}">
+                <a16:creationId xmlns:a16="http://schemas.microsoft.com/office/drawing/2014/main" id="{51A85EF6-4C76-46AC-82A2-6B2D301F124D}"/>
+              </a:ext>
+            </a:extLst>
+          </p:cNvPr>
+          <p:cNvPicPr>
+            <a:picLocks noChangeAspect="1"/>
+          </p:cNvPicPr>
+          <p:nvPr/>
+        </p:nvPicPr>
+        <p:blipFill>
+          <a:blip r:embed="rId2"/>
+          <a:stretch>
+            <a:fillRect/>
+          </a:stretch>
+        </p:blipFill>
+        <p:spPr>
+          <a:xfrm>
+            <a:off x="1830805" y="675805"/>
+            <a:ext cx="8530389" cy="5506389"/>
+          </a:xfrm>
+          <a:prstGeom prst="rect">
+            <a:avLst/>
+          </a:prstGeom>
+        </p:spPr>
+      </p:pic>
+      <p:sp>
+        <p:nvSpPr>
+          <p:cNvPr id="6" name="文本框 5">
+            <a:extLst>
+              <a:ext uri="{FF2B5EF4-FFF2-40B4-BE49-F238E27FC236}">
+                <a16:creationId xmlns:a16="http://schemas.microsoft.com/office/drawing/2014/main" id="{EA34D169-C5AA-49E7-8E61-27ADD92AEE39}"/>
+              </a:ext>
+            </a:extLst>
+          </p:cNvPr>
+          <p:cNvSpPr txBox="1"/>
+          <p:nvPr/>
+        </p:nvSpPr>
+        <p:spPr>
+          <a:xfrm>
+            <a:off x="11042871" y="920620"/>
+            <a:ext cx="515492" cy="5016758"/>
+          </a:xfrm>
+          <a:prstGeom prst="rect">
+            <a:avLst/>
+          </a:prstGeom>
+          <a:noFill/>
+        </p:spPr>
+        <p:txBody>
+          <a:bodyPr wrap="square" rtlCol="0">
+            <a:spAutoFit/>
+          </a:bodyPr>
+          <a:lstStyle/>
+          <a:p>
+            <a:r>
+              <a:rPr lang="zh-CN" altLang="en-US" sz="4000" dirty="0">
+                <a:latin typeface="华文行楷" panose="02010800040101010101" pitchFamily="2" charset="-122"/>
+                <a:ea typeface="华文行楷" panose="02010800040101010101" pitchFamily="2" charset="-122"/>
+              </a:rPr>
+              <a:t>段访问的硬件实现</a:t>
+            </a:r>
+          </a:p>
+        </p:txBody>
+      </p:sp>
+    </p:spTree>
+    <p:extLst>
+      <p:ext uri="{BB962C8B-B14F-4D97-AF65-F5344CB8AC3E}">
+        <p14:creationId xmlns:p14="http://schemas.microsoft.com/office/powerpoint/2010/main" val="652568028"/>
+      </p:ext>
+    </p:extLst>
+  </p:cSld>
+  <p:clrMapOvr>
+    <a:masterClrMapping/>
+  </p:clrMapOvr>
+</p:sld>
+</file>
+
+<file path=ppt/slides/slide9.xml><?xml version="1.0" encoding="utf-8"?>
+<p:sld xmlns:a="http://schemas.openxmlformats.org/drawingml/2006/main" xmlns:r="http://schemas.openxmlformats.org/officeDocument/2006/relationships" xmlns:p="http://schemas.openxmlformats.org/presentationml/2006/main">
+  <p:cSld>
+    <p:spTree>
+      <p:nvGrpSpPr>
+        <p:cNvPr id="1" name=""/>
+        <p:cNvGrpSpPr/>
+        <p:nvPr/>
+      </p:nvGrpSpPr>
+      <p:grpSpPr>
+        <a:xfrm>
+          <a:off x="0" y="0"/>
+          <a:ext cx="0" cy="0"/>
+          <a:chOff x="0" y="0"/>
+          <a:chExt cx="0" cy="0"/>
+        </a:xfrm>
+      </p:grpSpPr>
+      <p:pic>
+        <p:nvPicPr>
+          <p:cNvPr id="4" name="图片 3">
+            <a:extLst>
+              <a:ext uri="{FF2B5EF4-FFF2-40B4-BE49-F238E27FC236}">
+                <a16:creationId xmlns:a16="http://schemas.microsoft.com/office/drawing/2014/main" id="{0D9A9EB5-496B-45A0-9787-329A19AB0593}"/>
+              </a:ext>
+            </a:extLst>
+          </p:cNvPr>
+          <p:cNvPicPr>
+            <a:picLocks noChangeAspect="1"/>
+          </p:cNvPicPr>
+          <p:nvPr/>
+        </p:nvPicPr>
+        <p:blipFill>
+          <a:blip r:embed="rId2"/>
+          <a:stretch>
+            <a:fillRect/>
+          </a:stretch>
+        </p:blipFill>
+        <p:spPr>
+          <a:xfrm>
+            <a:off x="1499741" y="655492"/>
+            <a:ext cx="9192517" cy="5547015"/>
           </a:xfrm>
           <a:prstGeom prst="rect">
             <a:avLst/>
@@ -6598,7 +7093,7 @@
     </p:spTree>
     <p:extLst>
       <p:ext uri="{BB962C8B-B14F-4D97-AF65-F5344CB8AC3E}">
-        <p14:creationId xmlns:p14="http://schemas.microsoft.com/office/powerpoint/2010/main" val="228699222"/>
+        <p14:creationId xmlns:p14="http://schemas.microsoft.com/office/powerpoint/2010/main" val="2667520438"/>
       </p:ext>
     </p:extLst>
   </p:cSld>
